--- a/Planning/IFJ_obhajoba.pptx
+++ b/Planning/IFJ_obhajoba.pptx
@@ -12,10 +12,10 @@
     <p:sldId id="257" r:id="rId3"/>
     <p:sldId id="258" r:id="rId4"/>
     <p:sldId id="260" r:id="rId5"/>
-    <p:sldId id="267" r:id="rId6"/>
-    <p:sldId id="262" r:id="rId7"/>
-    <p:sldId id="264" r:id="rId8"/>
-    <p:sldId id="263" r:id="rId9"/>
+    <p:sldId id="263" r:id="rId6"/>
+    <p:sldId id="267" r:id="rId7"/>
+    <p:sldId id="262" r:id="rId8"/>
+    <p:sldId id="264" r:id="rId9"/>
     <p:sldId id="261" r:id="rId10"/>
     <p:sldId id="256" r:id="rId11"/>
   </p:sldIdLst>
@@ -522,11 +522,7 @@
             </a:r>
             <a:r>
               <a:rPr lang="cs-CZ" baseline="0" dirty="0" smtClean="0"/>
-              <a:t> + představení </a:t>
-            </a:r>
-            <a:r>
-              <a:rPr lang="cs-CZ" baseline="0" dirty="0" smtClean="0"/>
-              <a:t>týmu</a:t>
+              <a:t> + představení týmu</a:t>
             </a:r>
           </a:p>
           <a:p>
@@ -1080,20 +1076,62 @@
           <a:p>
             <a:r>
               <a:rPr lang="cs-CZ" dirty="0" smtClean="0"/>
-              <a:t>Tabulky</a:t>
+              <a:t>Pokud</a:t>
             </a:r>
             <a:r>
               <a:rPr lang="cs-CZ" baseline="0" dirty="0" smtClean="0"/>
-              <a:t> symbolů jsme měli za úkol vytvořit pomocí tabulek s rozptýlenými položkami, ve které byly jednotlivé položky implementovány pomocí jednosměrně vázaného seznamu. K </a:t>
-            </a:r>
-            <a:r>
-              <a:rPr lang="cs-CZ" baseline="0" dirty="0" err="1" smtClean="0"/>
-              <a:t>hashování</a:t>
-            </a:r>
-            <a:r>
-              <a:rPr lang="cs-CZ" baseline="0" dirty="0" smtClean="0"/>
-              <a:t> byl použit řetězec znaků, který sloužil jako klíč. Pomocí tohoto klíče jsme pak vyhledávali v tabulkách. Explicitní zřetězení znamená, že každá položka obsahuje odkaz na následovníka (lineární seznam).</a:t>
-            </a:r>
+              <a:t> proběhnou všechny analýzy úspěšně, je zavolán interpret, který kód interpretuje. Interpretace se provádí pomocí tří-adresných instrukcí, které jsou uložené na instrukční pásce. Instrukční páska je implementovaná pomocí oboustranně vázaného seznamu. </a:t>
+            </a:r>
+            <a:r>
+              <a:rPr lang="cs-CZ" sz="1200" kern="1200" dirty="0" smtClean="0">
+                <a:solidFill>
+                  <a:schemeClr val="tx1"/>
+                </a:solidFill>
+                <a:effectLst/>
+                <a:latin typeface="+mn-lt"/>
+                <a:ea typeface="+mn-ea"/>
+                <a:cs typeface="+mn-cs"/>
+              </a:rPr>
+              <a:t>Interpret kontroluje návratové typy funkcí, inicializaci proměnných a provádí samotný běh programu. Nejdříve se inicializují globální proměnné a následně interpret pokračuje ve funkci </a:t>
+            </a:r>
+            <a:r>
+              <a:rPr lang="cs-CZ" sz="1200" i="1" kern="1200" dirty="0" err="1" smtClean="0">
+                <a:solidFill>
+                  <a:schemeClr val="tx1"/>
+                </a:solidFill>
+                <a:effectLst/>
+                <a:latin typeface="+mn-lt"/>
+                <a:ea typeface="+mn-ea"/>
+                <a:cs typeface="+mn-cs"/>
+              </a:rPr>
+              <a:t>Main.run</a:t>
+            </a:r>
+            <a:r>
+              <a:rPr lang="cs-CZ" sz="1200" i="1" kern="1200" dirty="0" smtClean="0">
+                <a:solidFill>
+                  <a:schemeClr val="tx1"/>
+                </a:solidFill>
+                <a:effectLst/>
+                <a:latin typeface="+mn-lt"/>
+                <a:ea typeface="+mn-ea"/>
+                <a:cs typeface="+mn-cs"/>
+              </a:rPr>
+              <a:t>()</a:t>
+            </a:r>
+            <a:r>
+              <a:rPr lang="cs-CZ" sz="1200" kern="1200" dirty="0" smtClean="0">
+                <a:solidFill>
+                  <a:schemeClr val="tx1"/>
+                </a:solidFill>
+                <a:effectLst/>
+                <a:latin typeface="+mn-lt"/>
+                <a:ea typeface="+mn-ea"/>
+                <a:cs typeface="+mn-cs"/>
+              </a:rPr>
+              <a:t>. V případě volání funkce se přeskočí na instrukční pásku dané funkce, ve které se provedou instrukce a následně se vrátí zpět za volání funkce, kde se zkontroluje návratový typ.</a:t>
+            </a:r>
+          </a:p>
+          <a:p>
             <a:endParaRPr lang="cs-CZ" dirty="0"/>
           </a:p>
         </p:txBody>
@@ -1124,7 +1162,7 @@
     </p:spTree>
     <p:extLst>
       <p:ext uri="{BB962C8B-B14F-4D97-AF65-F5344CB8AC3E}">
-        <p14:creationId xmlns:p14="http://schemas.microsoft.com/office/powerpoint/2010/main" val="3630888604"/>
+        <p14:creationId xmlns:p14="http://schemas.microsoft.com/office/powerpoint/2010/main" val="570366629"/>
       </p:ext>
     </p:extLst>
   </p:cSld>
@@ -1180,63 +1218,19 @@
           <a:p>
             <a:r>
               <a:rPr lang="cs-CZ" dirty="0" smtClean="0"/>
-              <a:t>Algoritmus</a:t>
+              <a:t>Tabulky</a:t>
             </a:r>
             <a:r>
               <a:rPr lang="cs-CZ" baseline="0" dirty="0" smtClean="0"/>
-              <a:t> BML slouží k rychlému nalezení podřetězce v řetězci. Při implementaci jsme využili pouze první heuristiku (tzv. </a:t>
+              <a:t> symbolů jsme měli za úkol vytvořit pomocí tabulek s rozptýlenými položkami, ve které byly jednotlivé položky implementovány pomocí jednosměrně vázaného seznamu. K </a:t>
             </a:r>
             <a:r>
               <a:rPr lang="cs-CZ" baseline="0" dirty="0" err="1" smtClean="0"/>
-              <a:t>bad</a:t>
+              <a:t>hashování</a:t>
             </a:r>
             <a:r>
               <a:rPr lang="cs-CZ" baseline="0" dirty="0" smtClean="0"/>
-              <a:t> </a:t>
-            </a:r>
-            <a:r>
-              <a:rPr lang="cs-CZ" baseline="0" dirty="0" err="1" smtClean="0"/>
-              <a:t>character</a:t>
-            </a:r>
-            <a:r>
-              <a:rPr lang="cs-CZ" baseline="0" dirty="0" smtClean="0"/>
-              <a:t> rule), protože tento algoritmus je jednoduší. Nejdříve </a:t>
-            </a:r>
-            <a:r>
-              <a:rPr lang="cs-CZ" baseline="0" dirty="0" err="1" smtClean="0"/>
-              <a:t>předpočítáme</a:t>
-            </a:r>
-            <a:r>
-              <a:rPr lang="cs-CZ" baseline="0" dirty="0" smtClean="0"/>
-              <a:t>, o kolik znaků se máme posunout v případě neshody (počítáme pro každý znak v podřetězci). Následně </a:t>
-            </a:r>
-            <a:r>
-              <a:rPr lang="pt-BR" baseline="0" dirty="0" smtClean="0"/>
-              <a:t>prochází</a:t>
-            </a:r>
-            <a:r>
-              <a:rPr lang="cs-CZ" baseline="0" dirty="0" err="1" smtClean="0"/>
-              <a:t>me</a:t>
-            </a:r>
-            <a:r>
-              <a:rPr lang="pt-BR" baseline="0" dirty="0" smtClean="0"/>
-              <a:t> textem a porovnává</a:t>
-            </a:r>
-            <a:r>
-              <a:rPr lang="cs-CZ" baseline="0" dirty="0" err="1" smtClean="0"/>
-              <a:t>me</a:t>
-            </a:r>
-            <a:r>
-              <a:rPr lang="cs-CZ" baseline="0" dirty="0" smtClean="0"/>
-              <a:t> jej se vzorkem</a:t>
-            </a:r>
-            <a:r>
-              <a:rPr lang="pt-BR" baseline="0" dirty="0" smtClean="0"/>
-              <a:t> zprava doleva</a:t>
-            </a:r>
-            <a:r>
-              <a:rPr lang="cs-CZ" baseline="0" dirty="0" smtClean="0"/>
-              <a:t> (od posledního znaku).</a:t>
+              <a:t> byl použit řetězec znaků, který sloužil jako klíč. Pomocí tohoto klíče jsme pak vyhledávali v tabulkách. Explicitní zřetězení znamená, že každá položka obsahuje odkaz na následovníka (lineární seznam).</a:t>
             </a:r>
             <a:endParaRPr lang="cs-CZ" dirty="0"/>
           </a:p>
@@ -1268,7 +1262,7 @@
     </p:spTree>
     <p:extLst>
       <p:ext uri="{BB962C8B-B14F-4D97-AF65-F5344CB8AC3E}">
-        <p14:creationId xmlns:p14="http://schemas.microsoft.com/office/powerpoint/2010/main" val="30265794"/>
+        <p14:creationId xmlns:p14="http://schemas.microsoft.com/office/powerpoint/2010/main" val="3630888604"/>
       </p:ext>
     </p:extLst>
   </p:cSld>
@@ -1324,75 +1318,63 @@
           <a:p>
             <a:r>
               <a:rPr lang="cs-CZ" dirty="0" smtClean="0"/>
-              <a:t>Dalším algoritmem, který jsme měli implementovat byl </a:t>
-            </a:r>
-            <a:r>
-              <a:rPr lang="cs-CZ" dirty="0" err="1" smtClean="0"/>
-              <a:t>quicksort</a:t>
-            </a:r>
-            <a:r>
-              <a:rPr lang="cs-CZ" dirty="0" smtClean="0"/>
-              <a:t>. Je to jeden z nejrychlejších řadících algoritmů. Jeho rychlost je ovlivněna volbou </a:t>
-            </a:r>
-            <a:r>
-              <a:rPr lang="cs-CZ" dirty="0" err="1" smtClean="0"/>
-              <a:t>pseudomedián</a:t>
-            </a:r>
-            <a:r>
-              <a:rPr lang="cs-CZ" dirty="0" smtClean="0"/>
-              <a:t>. Implementovali</a:t>
+              <a:t>Algoritmus</a:t>
             </a:r>
             <a:r>
               <a:rPr lang="cs-CZ" baseline="0" dirty="0" smtClean="0"/>
-              <a:t> jsme ho následovně: nejprve se vybere </a:t>
+              <a:t> BML slouží k rychlému nalezení podřetězce v řetězci. Při implementaci jsme využili pouze první heuristiku (tzv. </a:t>
             </a:r>
             <a:r>
               <a:rPr lang="cs-CZ" baseline="0" dirty="0" err="1" smtClean="0"/>
-              <a:t>pseudomedián</a:t>
+              <a:t>bad</a:t>
             </a:r>
             <a:r>
               <a:rPr lang="cs-CZ" baseline="0" dirty="0" smtClean="0"/>
-              <a:t> což je hodnota nacházející se uprostřed neseřazeného pole. Následně porovnáváme prvky zleva s </a:t>
+              <a:t> </a:t>
             </a:r>
             <a:r>
               <a:rPr lang="cs-CZ" baseline="0" dirty="0" err="1" smtClean="0"/>
-              <a:t>pseudomediánem</a:t>
+              <a:t>character</a:t>
             </a:r>
             <a:r>
               <a:rPr lang="cs-CZ" baseline="0" dirty="0" smtClean="0"/>
-              <a:t>. Pokud je nalezen prvek, který je větší nebo roven </a:t>
+              <a:t> rule), protože tento algoritmus je jednoduší. Nejdříve </a:t>
             </a:r>
             <a:r>
               <a:rPr lang="cs-CZ" baseline="0" dirty="0" err="1" smtClean="0"/>
-              <a:t>pseudomediánu</a:t>
+              <a:t>předpočítáme</a:t>
             </a:r>
             <a:r>
               <a:rPr lang="cs-CZ" baseline="0" dirty="0" smtClean="0"/>
-              <a:t>, přejdeme na konec pole a zprava porovnáváme prvky s </a:t>
+              <a:t>, o kolik znaků se máme posunout v případě neshody (počítáme pro každý znak v podřetězci). Následně </a:t>
+            </a:r>
+            <a:r>
+              <a:rPr lang="pt-BR" baseline="0" dirty="0" smtClean="0"/>
+              <a:t>prochází</a:t>
             </a:r>
             <a:r>
               <a:rPr lang="cs-CZ" baseline="0" dirty="0" err="1" smtClean="0"/>
-              <a:t>pseudomediánem</a:t>
+              <a:t>me</a:t>
+            </a:r>
+            <a:r>
+              <a:rPr lang="pt-BR" baseline="0" dirty="0" smtClean="0"/>
+              <a:t> textem a porovnává</a:t>
+            </a:r>
+            <a:r>
+              <a:rPr lang="cs-CZ" baseline="0" dirty="0" err="1" smtClean="0"/>
+              <a:t>me</a:t>
             </a:r>
             <a:r>
               <a:rPr lang="cs-CZ" baseline="0" dirty="0" smtClean="0"/>
-              <a:t> do doby, dokud jsou prvky větší nebo rovny. Pokud je i v pravém intervalu nalezen prvek menší nebo rovný </a:t>
-            </a:r>
-            <a:r>
-              <a:rPr lang="cs-CZ" baseline="0" dirty="0" err="1" smtClean="0"/>
-              <a:t>pseudomediánu</a:t>
+              <a:t> jej se vzorkem</a:t>
+            </a:r>
+            <a:r>
+              <a:rPr lang="pt-BR" baseline="0" dirty="0" smtClean="0"/>
+              <a:t> zprava doleva</a:t>
             </a:r>
             <a:r>
               <a:rPr lang="cs-CZ" baseline="0" dirty="0" smtClean="0"/>
-              <a:t>, vymění se nalezený prvek z levé části pole s prvkem s pravé části pole. Rekurzivně opakujeme do doby, dokud </a:t>
-            </a:r>
-            <a:r>
-              <a:rPr lang="cs-CZ" baseline="0" dirty="0" err="1" smtClean="0"/>
-              <a:t>nezbudou</a:t>
-            </a:r>
-            <a:r>
-              <a:rPr lang="cs-CZ" baseline="0" dirty="0" smtClean="0"/>
-              <a:t> pouze 2 prvky.</a:t>
+              <a:t> (od posledního znaku).</a:t>
             </a:r>
             <a:endParaRPr lang="cs-CZ" dirty="0"/>
           </a:p>
@@ -1424,7 +1406,7 @@
     </p:spTree>
     <p:extLst>
       <p:ext uri="{BB962C8B-B14F-4D97-AF65-F5344CB8AC3E}">
-        <p14:creationId xmlns:p14="http://schemas.microsoft.com/office/powerpoint/2010/main" val="2678085582"/>
+        <p14:creationId xmlns:p14="http://schemas.microsoft.com/office/powerpoint/2010/main" val="30265794"/>
       </p:ext>
     </p:extLst>
   </p:cSld>
@@ -1480,62 +1462,76 @@
           <a:p>
             <a:r>
               <a:rPr lang="cs-CZ" dirty="0" smtClean="0"/>
-              <a:t>Pokud</a:t>
+              <a:t>Dalším algoritmem, který jsme měli implementovat byl </a:t>
+            </a:r>
+            <a:r>
+              <a:rPr lang="cs-CZ" dirty="0" err="1" smtClean="0"/>
+              <a:t>quicksort</a:t>
+            </a:r>
+            <a:r>
+              <a:rPr lang="cs-CZ" dirty="0" smtClean="0"/>
+              <a:t>. Je to jeden z nejrychlejších řadících algoritmů. Jeho rychlost je ovlivněna volbou </a:t>
+            </a:r>
+            <a:r>
+              <a:rPr lang="cs-CZ" dirty="0" err="1" smtClean="0"/>
+              <a:t>pseudomedián</a:t>
+            </a:r>
+            <a:r>
+              <a:rPr lang="cs-CZ" dirty="0" smtClean="0"/>
+              <a:t>. Implementovali</a:t>
             </a:r>
             <a:r>
               <a:rPr lang="cs-CZ" baseline="0" dirty="0" smtClean="0"/>
-              <a:t> proběhnou všechny analýzy úspěšně, je zavolán interpret, který kód interpretuje. Interpretace se provádí pomocí tří-adresných instrukcí, které jsou uložené na instrukční pásce. Instrukční páska je implementovaná pomocí oboustranně vázaného seznamu. </a:t>
-            </a:r>
-            <a:r>
-              <a:rPr lang="cs-CZ" sz="1200" kern="1200" dirty="0" smtClean="0">
-                <a:solidFill>
-                  <a:schemeClr val="tx1"/>
-                </a:solidFill>
-                <a:effectLst/>
-                <a:latin typeface="+mn-lt"/>
-                <a:ea typeface="+mn-ea"/>
-                <a:cs typeface="+mn-cs"/>
-              </a:rPr>
-              <a:t>Interpret kontroluje návratové typy funkcí, inicializaci proměnných a provádí samotný běh programu. Nejdříve se inicializují globální proměnné a následně interpret pokračuje ve funkci </a:t>
-            </a:r>
-            <a:r>
-              <a:rPr lang="cs-CZ" sz="1200" i="1" kern="1200" dirty="0" err="1" smtClean="0">
-                <a:solidFill>
-                  <a:schemeClr val="tx1"/>
-                </a:solidFill>
-                <a:effectLst/>
-                <a:latin typeface="+mn-lt"/>
-                <a:ea typeface="+mn-ea"/>
-                <a:cs typeface="+mn-cs"/>
-              </a:rPr>
-              <a:t>Main.run</a:t>
-            </a:r>
-            <a:r>
-              <a:rPr lang="cs-CZ" sz="1200" i="1" kern="1200" dirty="0" smtClean="0">
-                <a:solidFill>
-                  <a:schemeClr val="tx1"/>
-                </a:solidFill>
-                <a:effectLst/>
-                <a:latin typeface="+mn-lt"/>
-                <a:ea typeface="+mn-ea"/>
-                <a:cs typeface="+mn-cs"/>
-              </a:rPr>
-              <a:t>()</a:t>
-            </a:r>
-            <a:r>
-              <a:rPr lang="cs-CZ" sz="1200" kern="1200" dirty="0" smtClean="0">
-                <a:solidFill>
-                  <a:schemeClr val="tx1"/>
-                </a:solidFill>
-                <a:effectLst/>
-                <a:latin typeface="+mn-lt"/>
-                <a:ea typeface="+mn-ea"/>
-                <a:cs typeface="+mn-cs"/>
-              </a:rPr>
-              <a:t>. V případě volání funkce se přeskočí na instrukční pásku dané funkce, ve které se provedou instrukce a následně se vrátí zpět za volání funkce, kde se zkontroluje návratový typ.</a:t>
-            </a:r>
-          </a:p>
-          <a:p>
+              <a:t> jsme ho následovně: nejprve se vybere </a:t>
+            </a:r>
+            <a:r>
+              <a:rPr lang="cs-CZ" baseline="0" dirty="0" err="1" smtClean="0"/>
+              <a:t>pseudomedián</a:t>
+            </a:r>
+            <a:r>
+              <a:rPr lang="cs-CZ" baseline="0" dirty="0" smtClean="0"/>
+              <a:t> což je hodnota nacházející se uprostřed neseřazeného pole. Následně porovnáváme prvky zleva s </a:t>
+            </a:r>
+            <a:r>
+              <a:rPr lang="cs-CZ" baseline="0" dirty="0" err="1" smtClean="0"/>
+              <a:t>pseudomediánem</a:t>
+            </a:r>
+            <a:r>
+              <a:rPr lang="cs-CZ" baseline="0" dirty="0" smtClean="0"/>
+              <a:t>. Pokud je nalezen prvek, který je větší nebo roven </a:t>
+            </a:r>
+            <a:r>
+              <a:rPr lang="cs-CZ" baseline="0" dirty="0" err="1" smtClean="0"/>
+              <a:t>pseudomediánu</a:t>
+            </a:r>
+            <a:r>
+              <a:rPr lang="cs-CZ" baseline="0" dirty="0" smtClean="0"/>
+              <a:t>, přejdeme na konec pole a zprava porovnáváme prvky s </a:t>
+            </a:r>
+            <a:r>
+              <a:rPr lang="cs-CZ" baseline="0" dirty="0" err="1" smtClean="0"/>
+              <a:t>pseudomediánem</a:t>
+            </a:r>
+            <a:r>
+              <a:rPr lang="cs-CZ" baseline="0" dirty="0" smtClean="0"/>
+              <a:t> do doby, dokud jsou prvky větší nebo rovny. Pokud je i v pravém intervalu nalezen prvek menší nebo rovný </a:t>
+            </a:r>
+            <a:r>
+              <a:rPr lang="cs-CZ" baseline="0" dirty="0" err="1" smtClean="0"/>
+              <a:t>pseudomediánu</a:t>
+            </a:r>
+            <a:r>
+              <a:rPr lang="cs-CZ" baseline="0" dirty="0" smtClean="0"/>
+              <a:t>, vymění se nalezený prvek z levé části pole s prvkem s pravé části pole. Rekurzivně opakujeme do doby, dokud </a:t>
+            </a:r>
+            <a:r>
+              <a:rPr lang="cs-CZ" baseline="0" dirty="0" err="1" smtClean="0"/>
+              <a:t>nezbudou</a:t>
+            </a:r>
+            <a:r>
+              <a:rPr lang="cs-CZ" baseline="0" dirty="0" smtClean="0"/>
+              <a:t> pouze 2 prvky.</a:t>
+            </a:r>
             <a:endParaRPr lang="cs-CZ" dirty="0"/>
           </a:p>
         </p:txBody>
@@ -1566,7 +1562,7 @@
     </p:spTree>
     <p:extLst>
       <p:ext uri="{BB962C8B-B14F-4D97-AF65-F5344CB8AC3E}">
-        <p14:creationId xmlns:p14="http://schemas.microsoft.com/office/powerpoint/2010/main" val="570366629"/>
+        <p14:creationId xmlns:p14="http://schemas.microsoft.com/office/powerpoint/2010/main" val="2678085582"/>
       </p:ext>
     </p:extLst>
   </p:cSld>
@@ -1626,11 +1622,7 @@
             </a:r>
             <a:r>
               <a:rPr lang="cs-CZ" baseline="0" dirty="0" smtClean="0"/>
-              <a:t> se vyhnuli zbytečným problémům v průběhu vývoje. Proto jsme svolali úvodní schůzku, na které jsme si vyjasnili </a:t>
-            </a:r>
-            <a:r>
-              <a:rPr lang="cs-CZ" baseline="0" dirty="0" smtClean="0"/>
-              <a:t>důležité milníky našeho vývoje. Dohodli jsme se na rozdělení práce, na týmové komunikaci a také jsme si ujasnili, jaké nástroje budeme při vývoji používat. Za server pro náš </a:t>
+              <a:t> se vyhnuli zbytečným problémům v průběhu vývoje. Proto jsme svolali úvodní schůzku, na které jsme si vyjasnili důležité milníky našeho vývoje. Dohodli jsme se na rozdělení práce, na týmové komunikaci a také jsme si ujasnili, jaké nástroje budeme při vývoji používat. Za server pro náš </a:t>
             </a:r>
             <a:r>
               <a:rPr lang="cs-CZ" baseline="0" dirty="0" err="1" smtClean="0"/>
@@ -4956,11 +4948,7 @@
             </a:r>
             <a:r>
               <a:rPr lang="cs-CZ" dirty="0" smtClean="0"/>
-              <a:t>exikální </a:t>
-            </a:r>
-            <a:r>
-              <a:rPr lang="cs-CZ" dirty="0" smtClean="0"/>
-              <a:t>analyzátor</a:t>
+              <a:t>exikální analyzátor</a:t>
             </a:r>
           </a:p>
           <a:p>
@@ -4970,11 +4958,7 @@
             </a:r>
             <a:r>
               <a:rPr lang="cs-CZ" dirty="0" smtClean="0"/>
-              <a:t>yntaktický </a:t>
-            </a:r>
-            <a:r>
-              <a:rPr lang="cs-CZ" dirty="0" smtClean="0"/>
-              <a:t>a sémantický analyzátor</a:t>
+              <a:t>yntaktický a sémantický analyzátor</a:t>
             </a:r>
           </a:p>
           <a:p>
@@ -4996,7 +4980,6 @@
               <a:rPr lang="cs-CZ" dirty="0" smtClean="0"/>
               <a:t>abulka s rozptýlenými položkami</a:t>
             </a:r>
-            <a:endParaRPr lang="cs-CZ" dirty="0" smtClean="0"/>
           </a:p>
           <a:p>
             <a:r>
@@ -5016,11 +4999,7 @@
             </a:r>
             <a:r>
               <a:rPr lang="cs-CZ" dirty="0" smtClean="0"/>
-              <a:t>ráce </a:t>
-            </a:r>
-            <a:r>
-              <a:rPr lang="cs-CZ" dirty="0" smtClean="0"/>
-              <a:t>v týmu</a:t>
+              <a:t>ráce v týmu</a:t>
             </a:r>
           </a:p>
         </p:txBody>
@@ -5221,15 +5200,6 @@
               </a:rPr>
               <a:t>Syntaktický a sémantický</a:t>
             </a:r>
-            <a:r>
-              <a:rPr lang="cs-CZ" spc="300" dirty="0" smtClean="0">
-                <a:solidFill>
-                  <a:schemeClr val="tx2"/>
-                </a:solidFill>
-                <a:latin typeface="Impact" panose="020B0806030902050204" pitchFamily="34" charset="0"/>
-              </a:rPr>
-              <a:t/>
-            </a:r>
             <a:br>
               <a:rPr lang="cs-CZ" spc="300" dirty="0" smtClean="0">
                 <a:solidFill>
@@ -5374,7 +5344,7 @@
         <p:spPr/>
         <p:txBody>
           <a:bodyPr>
-            <a:normAutofit fontScale="90000"/>
+            <a:normAutofit/>
           </a:bodyPr>
           <a:lstStyle/>
           <a:p>
@@ -5385,7 +5355,7 @@
                 </a:solidFill>
                 <a:latin typeface="Impact" panose="020B0806030902050204" pitchFamily="34" charset="0"/>
               </a:rPr>
-              <a:t>Tabulka s rozptýlenými položkami</a:t>
+              <a:t>Interpret</a:t>
             </a:r>
             <a:endParaRPr lang="cs-CZ" spc="300" dirty="0">
               <a:solidFill>
@@ -5411,29 +5381,42 @@
           <a:bodyPr/>
           <a:lstStyle/>
           <a:p>
-            <a:pPr marL="571500" indent="-457200"/>
+            <a:r>
+              <a:rPr lang="cs-CZ" dirty="0"/>
+              <a:t>v</a:t>
+            </a:r>
             <a:r>
               <a:rPr lang="cs-CZ" dirty="0" smtClean="0"/>
-              <a:t>Implementovaná pomocí seznamu</a:t>
-            </a:r>
-          </a:p>
-          <a:p>
-            <a:pPr marL="571500" indent="-457200"/>
+              <a:t>stup: </a:t>
+            </a:r>
+            <a:r>
+              <a:rPr lang="cs-CZ" dirty="0" err="1" smtClean="0"/>
+              <a:t>tří-adresné</a:t>
+            </a:r>
             <a:r>
               <a:rPr lang="cs-CZ" dirty="0" smtClean="0"/>
-              <a:t>Explicitní zřetězení</a:t>
-            </a:r>
-          </a:p>
-          <a:p>
-            <a:pPr marL="571500" indent="-457200"/>
-            <a:endParaRPr lang="cs-CZ" dirty="0" smtClean="0"/>
-          </a:p>
-          <a:p>
-            <a:pPr marL="571500" indent="-457200"/>
-            <a:endParaRPr lang="cs-CZ" dirty="0" smtClean="0"/>
-          </a:p>
-          <a:p>
-            <a:endParaRPr lang="cs-CZ" dirty="0" smtClean="0"/>
+              <a:t> instrukce</a:t>
+            </a:r>
+          </a:p>
+          <a:p>
+            <a:r>
+              <a:rPr lang="cs-CZ" dirty="0"/>
+              <a:t>i</a:t>
+            </a:r>
+            <a:r>
+              <a:rPr lang="cs-CZ" dirty="0" smtClean="0"/>
+              <a:t>nstrukční páska</a:t>
+            </a:r>
+          </a:p>
+          <a:p>
+            <a:r>
+              <a:rPr lang="cs-CZ" dirty="0"/>
+              <a:t>k</a:t>
+            </a:r>
+            <a:r>
+              <a:rPr lang="cs-CZ" dirty="0" smtClean="0"/>
+              <a:t>ontrola běhových chyb</a:t>
+            </a:r>
           </a:p>
           <a:p>
             <a:endParaRPr lang="cs-CZ" dirty="0" smtClean="0"/>
@@ -5443,7 +5426,7 @@
     </p:spTree>
     <p:extLst>
       <p:ext uri="{BB962C8B-B14F-4D97-AF65-F5344CB8AC3E}">
-        <p14:creationId xmlns:p14="http://schemas.microsoft.com/office/powerpoint/2010/main" val="2773580018"/>
+        <p14:creationId xmlns:p14="http://schemas.microsoft.com/office/powerpoint/2010/main" val="3316557015"/>
       </p:ext>
     </p:extLst>
   </p:cSld>
@@ -5488,57 +5471,13 @@
           <a:lstStyle/>
           <a:p>
             <a:r>
-              <a:rPr lang="cs-CZ" spc="300" dirty="0" err="1" smtClean="0">
-                <a:solidFill>
-                  <a:schemeClr val="tx2"/>
-                </a:solidFill>
-                <a:latin typeface="Impact" panose="020B0806030902050204" pitchFamily="34" charset="0"/>
-              </a:rPr>
-              <a:t>Boyer</a:t>
-            </a:r>
-            <a:r>
               <a:rPr lang="cs-CZ" spc="300" dirty="0" smtClean="0">
                 <a:solidFill>
                   <a:schemeClr val="tx2"/>
                 </a:solidFill>
                 <a:latin typeface="Impact" panose="020B0806030902050204" pitchFamily="34" charset="0"/>
               </a:rPr>
-              <a:t> </a:t>
-            </a:r>
-            <a:r>
-              <a:rPr lang="cs-CZ" spc="300" dirty="0" err="1" smtClean="0">
-                <a:solidFill>
-                  <a:schemeClr val="tx2"/>
-                </a:solidFill>
-                <a:latin typeface="Impact" panose="020B0806030902050204" pitchFamily="34" charset="0"/>
-              </a:rPr>
-              <a:t>Mooreův</a:t>
-            </a:r>
-            <a:r>
-              <a:rPr lang="cs-CZ" spc="300" dirty="0">
-                <a:solidFill>
-                  <a:schemeClr val="tx2"/>
-                </a:solidFill>
-                <a:latin typeface="Impact" panose="020B0806030902050204" pitchFamily="34" charset="0"/>
-              </a:rPr>
-              <a:t/>
-            </a:r>
-            <a:br>
-              <a:rPr lang="cs-CZ" spc="300" dirty="0">
-                <a:solidFill>
-                  <a:schemeClr val="tx2"/>
-                </a:solidFill>
-                <a:latin typeface="Impact" panose="020B0806030902050204" pitchFamily="34" charset="0"/>
-              </a:rPr>
-            </a:br>
-            <a:r>
-              <a:rPr lang="cs-CZ" spc="300" dirty="0" smtClean="0">
-                <a:solidFill>
-                  <a:schemeClr val="tx2"/>
-                </a:solidFill>
-                <a:latin typeface="Impact" panose="020B0806030902050204" pitchFamily="34" charset="0"/>
-              </a:rPr>
-              <a:t>algoritmus</a:t>
+              <a:t>Tabulka s rozptýlenými položkami</a:t>
             </a:r>
             <a:endParaRPr lang="cs-CZ" spc="300" dirty="0">
               <a:solidFill>
@@ -5564,76 +5503,69 @@
           <a:bodyPr/>
           <a:lstStyle/>
           <a:p>
-            <a:r>
-              <a:rPr lang="cs-CZ" dirty="0"/>
-              <a:t>a</a:t>
-            </a:r>
+            <a:pPr marL="571500" indent="-457200"/>
             <a:r>
               <a:rPr lang="cs-CZ" dirty="0" smtClean="0"/>
-              <a:t>lgoritmus </a:t>
-            </a:r>
+              <a:t>Implementovaná pomocí seznamu</a:t>
+            </a:r>
+          </a:p>
+          <a:p>
+            <a:pPr marL="571500" indent="-457200"/>
             <a:r>
               <a:rPr lang="cs-CZ" dirty="0" smtClean="0"/>
-              <a:t>pro vyhledávání podřetězce v řetězci</a:t>
-            </a:r>
-          </a:p>
-          <a:p>
-            <a:r>
-              <a:rPr lang="cs-CZ" dirty="0"/>
-              <a:t>r</a:t>
-            </a:r>
-            <a:r>
-              <a:rPr lang="cs-CZ" dirty="0" smtClean="0"/>
-              <a:t>ychlejší </a:t>
-            </a:r>
-            <a:r>
-              <a:rPr lang="cs-CZ" dirty="0" smtClean="0"/>
-              <a:t>nalezení podřetězce</a:t>
-            </a:r>
-          </a:p>
-          <a:p>
-            <a:r>
-              <a:rPr lang="cs-CZ" dirty="0"/>
-              <a:t>i</a:t>
-            </a:r>
-            <a:r>
-              <a:rPr lang="cs-CZ" dirty="0" smtClean="0"/>
-              <a:t>mplementován rekurzivně</a:t>
-            </a:r>
+              <a:t>Explicitní zřetězení</a:t>
+            </a:r>
+          </a:p>
+          <a:p>
+            <a:pPr marL="571500" indent="-457200"/>
             <a:endParaRPr lang="cs-CZ" dirty="0" smtClean="0"/>
           </a:p>
           <a:p>
-            <a:r>
-              <a:rPr lang="cs-CZ" dirty="0" smtClean="0"/>
-              <a:t>tzv. </a:t>
-            </a:r>
-            <a:r>
-              <a:rPr lang="cs-CZ" dirty="0" err="1"/>
-              <a:t>b</a:t>
-            </a:r>
-            <a:r>
-              <a:rPr lang="cs-CZ" dirty="0" err="1" smtClean="0"/>
-              <a:t>ad</a:t>
-            </a:r>
-            <a:r>
-              <a:rPr lang="cs-CZ" dirty="0" smtClean="0"/>
-              <a:t> </a:t>
-            </a:r>
-            <a:r>
-              <a:rPr lang="cs-CZ" dirty="0" err="1" smtClean="0"/>
-              <a:t>character</a:t>
-            </a:r>
-            <a:r>
-              <a:rPr lang="cs-CZ" dirty="0" smtClean="0"/>
-              <a:t> rule</a:t>
-            </a:r>
-          </a:p>
-        </p:txBody>
-      </p:sp>
+            <a:pPr marL="571500" indent="-457200"/>
+            <a:endParaRPr lang="cs-CZ" dirty="0" smtClean="0"/>
+          </a:p>
+          <a:p>
+            <a:endParaRPr lang="cs-CZ" dirty="0" smtClean="0"/>
+          </a:p>
+          <a:p>
+            <a:endParaRPr lang="cs-CZ" dirty="0" smtClean="0"/>
+          </a:p>
+        </p:txBody>
+      </p:sp>
+      <p:pic>
+        <p:nvPicPr>
+          <p:cNvPr id="4" name="Obrázek 3"/>
+          <p:cNvPicPr>
+            <a:picLocks noChangeAspect="1"/>
+          </p:cNvPicPr>
+          <p:nvPr/>
+        </p:nvPicPr>
+        <p:blipFill>
+          <a:blip r:embed="rId3">
+            <a:extLst>
+              <a:ext uri="{28A0092B-C50C-407E-A947-70E740481C1C}">
+                <a14:useLocalDpi xmlns:a14="http://schemas.microsoft.com/office/drawing/2010/main" val="0"/>
+              </a:ext>
+            </a:extLst>
+          </a:blip>
+          <a:stretch>
+            <a:fillRect/>
+          </a:stretch>
+        </p:blipFill>
+        <p:spPr>
+          <a:xfrm>
+            <a:off x="1259632" y="3429000"/>
+            <a:ext cx="6604098" cy="2574200"/>
+          </a:xfrm>
+          <a:prstGeom prst="rect">
+            <a:avLst/>
+          </a:prstGeom>
+        </p:spPr>
+      </p:pic>
     </p:spTree>
     <p:extLst>
       <p:ext uri="{BB962C8B-B14F-4D97-AF65-F5344CB8AC3E}">
-        <p14:creationId xmlns:p14="http://schemas.microsoft.com/office/powerpoint/2010/main" val="1146849728"/>
+        <p14:creationId xmlns:p14="http://schemas.microsoft.com/office/powerpoint/2010/main" val="2773580018"/>
       </p:ext>
     </p:extLst>
   </p:cSld>
@@ -5673,7 +5605,7 @@
         <p:spPr/>
         <p:txBody>
           <a:bodyPr>
-            <a:normAutofit/>
+            <a:normAutofit fontScale="90000"/>
           </a:bodyPr>
           <a:lstStyle/>
           <a:p>
@@ -5684,7 +5616,51 @@
                 </a:solidFill>
                 <a:latin typeface="Impact" panose="020B0806030902050204" pitchFamily="34" charset="0"/>
               </a:rPr>
-              <a:t>Quicksort</a:t>
+              <a:t>Boyer</a:t>
+            </a:r>
+            <a:r>
+              <a:rPr lang="cs-CZ" spc="300" dirty="0" smtClean="0">
+                <a:solidFill>
+                  <a:schemeClr val="tx2"/>
+                </a:solidFill>
+                <a:latin typeface="Impact" panose="020B0806030902050204" pitchFamily="34" charset="0"/>
+              </a:rPr>
+              <a:t> </a:t>
+            </a:r>
+            <a:r>
+              <a:rPr lang="cs-CZ" spc="300" dirty="0" err="1" smtClean="0">
+                <a:solidFill>
+                  <a:schemeClr val="tx2"/>
+                </a:solidFill>
+                <a:latin typeface="Impact" panose="020B0806030902050204" pitchFamily="34" charset="0"/>
+              </a:rPr>
+              <a:t>Mooreův</a:t>
+            </a:r>
+            <a:r>
+              <a:rPr lang="cs-CZ" spc="300" dirty="0">
+                <a:solidFill>
+                  <a:schemeClr val="tx2"/>
+                </a:solidFill>
+                <a:latin typeface="Impact" panose="020B0806030902050204" pitchFamily="34" charset="0"/>
+              </a:rPr>
+              <a:t/>
+            </a:r>
+            <a:br>
+              <a:rPr lang="cs-CZ" spc="300" dirty="0">
+                <a:solidFill>
+                  <a:schemeClr val="tx2"/>
+                </a:solidFill>
+                <a:latin typeface="Impact" panose="020B0806030902050204" pitchFamily="34" charset="0"/>
+              </a:rPr>
+            </a:br>
+            <a:r>
+              <a:rPr lang="cs-CZ" spc="300" dirty="0" smtClean="0">
+                <a:solidFill>
+                  <a:schemeClr val="tx2"/>
+                </a:solidFill>
+                <a:latin typeface="Impact" panose="020B0806030902050204" pitchFamily="34" charset="0"/>
+              </a:rPr>
+              <a:t>algoritmus</a:t>
             </a:r>
             <a:endParaRPr lang="cs-CZ" spc="300" dirty="0">
               <a:solidFill>
@@ -5712,40 +5688,95 @@
           <a:p>
             <a:r>
               <a:rPr lang="cs-CZ" dirty="0" smtClean="0"/>
-              <a:t>Rychlý řadící algoritmus</a:t>
-            </a:r>
-          </a:p>
-          <a:p>
+              <a:t>vyhledávání </a:t>
+            </a:r>
             <a:r>
               <a:rPr lang="cs-CZ" dirty="0" smtClean="0"/>
-              <a:t>Mechanismus rozdělení</a:t>
-            </a:r>
-          </a:p>
-          <a:p>
+              <a:t>podřetězce v řetězci</a:t>
+            </a:r>
+          </a:p>
+          <a:p>
+            <a:r>
+              <a:rPr lang="cs-CZ" dirty="0"/>
+              <a:t>r</a:t>
+            </a:r>
+            <a:r>
+              <a:rPr lang="cs-CZ" dirty="0" smtClean="0"/>
+              <a:t>ychlejší nalezení podřetězce</a:t>
+            </a:r>
+          </a:p>
+          <a:p>
+            <a:r>
+              <a:rPr lang="cs-CZ" dirty="0"/>
+              <a:t>i</a:t>
+            </a:r>
+            <a:r>
+              <a:rPr lang="cs-CZ" dirty="0" smtClean="0"/>
+              <a:t>mplementován rekurzivně</a:t>
+            </a:r>
+          </a:p>
+          <a:p>
+            <a:r>
+              <a:rPr lang="cs-CZ" dirty="0" smtClean="0"/>
+              <a:t>tzv. </a:t>
+            </a:r>
+            <a:r>
+              <a:rPr lang="cs-CZ" dirty="0" err="1"/>
+              <a:t>b</a:t>
+            </a:r>
             <a:r>
               <a:rPr lang="cs-CZ" dirty="0" err="1" smtClean="0"/>
-              <a:t>Pseudomedián</a:t>
+              <a:t>ad</a:t>
             </a:r>
             <a:r>
               <a:rPr lang="cs-CZ" dirty="0" smtClean="0"/>
-              <a:t> = dělící hodnota</a:t>
-            </a:r>
-          </a:p>
-          <a:p>
+              <a:t> </a:t>
+            </a:r>
+            <a:r>
+              <a:rPr lang="cs-CZ" dirty="0" err="1" smtClean="0"/>
+              <a:t>character</a:t>
+            </a:r>
             <a:r>
               <a:rPr lang="cs-CZ" dirty="0" smtClean="0"/>
-              <a:t>Implementován rekurzivně</a:t>
-            </a:r>
-          </a:p>
-          <a:p>
-            <a:endParaRPr lang="cs-CZ" dirty="0" smtClean="0"/>
-          </a:p>
-        </p:txBody>
-      </p:sp>
+              <a:t> rule</a:t>
+            </a:r>
+          </a:p>
+        </p:txBody>
+      </p:sp>
+      <p:pic>
+        <p:nvPicPr>
+          <p:cNvPr id="5" name="Obrázek 4"/>
+          <p:cNvPicPr>
+            <a:picLocks noChangeAspect="1"/>
+          </p:cNvPicPr>
+          <p:nvPr/>
+        </p:nvPicPr>
+        <p:blipFill>
+          <a:blip r:embed="rId3">
+            <a:extLst>
+              <a:ext uri="{28A0092B-C50C-407E-A947-70E740481C1C}">
+                <a14:useLocalDpi xmlns:a14="http://schemas.microsoft.com/office/drawing/2010/main" val="0"/>
+              </a:ext>
+            </a:extLst>
+          </a:blip>
+          <a:stretch>
+            <a:fillRect/>
+          </a:stretch>
+        </p:blipFill>
+        <p:spPr>
+          <a:xfrm>
+            <a:off x="4788024" y="3596351"/>
+            <a:ext cx="3996699" cy="2816531"/>
+          </a:xfrm>
+          <a:prstGeom prst="rect">
+            <a:avLst/>
+          </a:prstGeom>
+        </p:spPr>
+      </p:pic>
     </p:spTree>
     <p:extLst>
       <p:ext uri="{BB962C8B-B14F-4D97-AF65-F5344CB8AC3E}">
-        <p14:creationId xmlns:p14="http://schemas.microsoft.com/office/powerpoint/2010/main" val="990470025"/>
+        <p14:creationId xmlns:p14="http://schemas.microsoft.com/office/powerpoint/2010/main" val="1146849728"/>
       </p:ext>
     </p:extLst>
   </p:cSld>
@@ -5790,13 +5821,13 @@
           <a:lstStyle/>
           <a:p>
             <a:r>
-              <a:rPr lang="cs-CZ" spc="300" dirty="0" smtClean="0">
+              <a:rPr lang="cs-CZ" spc="300" dirty="0" err="1" smtClean="0">
                 <a:solidFill>
                   <a:schemeClr val="tx2"/>
                 </a:solidFill>
                 <a:latin typeface="Impact" panose="020B0806030902050204" pitchFamily="34" charset="0"/>
               </a:rPr>
-              <a:t>Interpret</a:t>
+              <a:t>Quicksort</a:t>
             </a:r>
             <a:endParaRPr lang="cs-CZ" spc="300" dirty="0">
               <a:solidFill>
@@ -5823,56 +5854,71 @@
           <a:lstStyle/>
           <a:p>
             <a:r>
-              <a:rPr lang="cs-CZ" dirty="0"/>
-              <a:t>v</a:t>
-            </a:r>
-            <a:r>
               <a:rPr lang="cs-CZ" dirty="0" smtClean="0"/>
-              <a:t>stup</a:t>
-            </a:r>
+              <a:t>Rychlý řadící algoritmus</a:t>
+            </a:r>
+          </a:p>
+          <a:p>
             <a:r>
               <a:rPr lang="cs-CZ" dirty="0" smtClean="0"/>
-              <a:t>: </a:t>
-            </a:r>
+              <a:t>Mechanismus rozdělení</a:t>
+            </a:r>
+          </a:p>
+          <a:p>
             <a:r>
               <a:rPr lang="cs-CZ" dirty="0" err="1" smtClean="0"/>
-              <a:t>tří-adresné</a:t>
+              <a:t>Pseudomedián</a:t>
             </a:r>
             <a:r>
               <a:rPr lang="cs-CZ" dirty="0" smtClean="0"/>
-              <a:t> instrukce</a:t>
-            </a:r>
-          </a:p>
-          <a:p>
-            <a:r>
-              <a:rPr lang="cs-CZ" dirty="0"/>
-              <a:t>i</a:t>
-            </a:r>
+              <a:t> = dělící hodnota</a:t>
+            </a:r>
+          </a:p>
+          <a:p>
             <a:r>
               <a:rPr lang="cs-CZ" dirty="0" smtClean="0"/>
-              <a:t>nstrukční páska</a:t>
-            </a:r>
-          </a:p>
-          <a:p>
-            <a:r>
-              <a:rPr lang="cs-CZ" dirty="0"/>
-              <a:t>k</a:t>
-            </a:r>
-            <a:r>
-              <a:rPr lang="cs-CZ" dirty="0" smtClean="0"/>
-              <a:t>ontrola běhových chyb</a:t>
-            </a:r>
+              <a:t>Implementován rekurzivně</a:t>
+            </a:r>
+          </a:p>
+          <a:p>
             <a:endParaRPr lang="cs-CZ" dirty="0" smtClean="0"/>
           </a:p>
-          <a:p>
-            <a:endParaRPr lang="cs-CZ" dirty="0" smtClean="0"/>
-          </a:p>
-        </p:txBody>
-      </p:sp>
+        </p:txBody>
+      </p:sp>
+      <p:pic>
+        <p:nvPicPr>
+          <p:cNvPr id="4" name="Obrázek 3"/>
+          <p:cNvPicPr>
+            <a:picLocks noChangeAspect="1"/>
+          </p:cNvPicPr>
+          <p:nvPr/>
+        </p:nvPicPr>
+        <p:blipFill>
+          <a:blip r:embed="rId3">
+            <a:extLst>
+              <a:ext uri="{28A0092B-C50C-407E-A947-70E740481C1C}">
+                <a14:useLocalDpi xmlns:a14="http://schemas.microsoft.com/office/drawing/2010/main" val="0"/>
+              </a:ext>
+            </a:extLst>
+          </a:blip>
+          <a:stretch>
+            <a:fillRect/>
+          </a:stretch>
+        </p:blipFill>
+        <p:spPr>
+          <a:xfrm>
+            <a:off x="1763688" y="4221088"/>
+            <a:ext cx="5554022" cy="2386224"/>
+          </a:xfrm>
+          <a:prstGeom prst="rect">
+            <a:avLst/>
+          </a:prstGeom>
+        </p:spPr>
+      </p:pic>
     </p:spTree>
     <p:extLst>
       <p:ext uri="{BB962C8B-B14F-4D97-AF65-F5344CB8AC3E}">
-        <p14:creationId xmlns:p14="http://schemas.microsoft.com/office/powerpoint/2010/main" val="3316557015"/>
+        <p14:creationId xmlns:p14="http://schemas.microsoft.com/office/powerpoint/2010/main" val="990470025"/>
       </p:ext>
     </p:extLst>
   </p:cSld>

--- a/Planning/IFJ_obhajoba.pptx
+++ b/Planning/IFJ_obhajoba.pptx
@@ -116,6 +116,22 @@
       </a:defRPr>
     </a:lvl9pPr>
   </p:defaultTextStyle>
+  <p:extLst>
+    <p:ext uri="{EFAFB233-063F-42B5-8137-9DF3F51BA10A}">
+      <p15:sldGuideLst xmlns:p15="http://schemas.microsoft.com/office/powerpoint/2012/main">
+        <p15:guide id="1" orient="horz" pos="2160">
+          <p15:clr>
+            <a:srgbClr val="A4A3A4"/>
+          </p15:clr>
+        </p15:guide>
+        <p15:guide id="2" pos="2880">
+          <p15:clr>
+            <a:srgbClr val="A4A3A4"/>
+          </p15:clr>
+        </p15:guide>
+      </p15:sldGuideLst>
+    </p:ext>
+  </p:extLst>
 </p:presentation>
 </file>
 
@@ -201,7 +217,7 @@
           <a:p>
             <a:fld id="{5F7241FA-AE09-4A15-8466-688245892F74}" type="datetimeFigureOut">
               <a:rPr lang="cs-CZ" smtClean="0"/>
-              <a:t>13.12.2016</a:t>
+              <a:t>14.12.2016</a:t>
             </a:fld>
             <a:endParaRPr lang="cs-CZ"/>
           </a:p>
@@ -1374,8 +1390,128 @@
             </a:r>
             <a:r>
               <a:rPr lang="cs-CZ" baseline="0" dirty="0" smtClean="0"/>
-              <a:t> (od posledního znaku).</a:t>
-            </a:r>
+              <a:t> (od posledního znaku</a:t>
+            </a:r>
+            <a:r>
+              <a:rPr lang="cs-CZ" baseline="0" dirty="0" smtClean="0"/>
+              <a:t>).</a:t>
+            </a:r>
+          </a:p>
+          <a:p>
+            <a:r>
+              <a:rPr lang="cs-CZ" sz="1200" kern="1200" dirty="0" smtClean="0">
+                <a:solidFill>
+                  <a:schemeClr val="tx1"/>
+                </a:solidFill>
+                <a:effectLst/>
+                <a:latin typeface="+mn-lt"/>
+                <a:ea typeface="+mn-ea"/>
+                <a:cs typeface="+mn-cs"/>
+              </a:rPr>
+              <a:t>Chování BMA závisí na kardinalitě abecedy (kardinalita</a:t>
+            </a:r>
+            <a:r>
+              <a:rPr lang="cs-CZ" sz="1200" kern="1200" baseline="0" dirty="0" smtClean="0">
+                <a:solidFill>
+                  <a:schemeClr val="tx1"/>
+                </a:solidFill>
+                <a:effectLst/>
+                <a:latin typeface="+mn-lt"/>
+                <a:ea typeface="+mn-ea"/>
+                <a:cs typeface="+mn-cs"/>
+              </a:rPr>
+              <a:t> = mohutnost = počet prvků množiny. AJ abeceda má </a:t>
+            </a:r>
+            <a:r>
+              <a:rPr lang="cs-CZ" dirty="0" smtClean="0"/>
+              <a:t>26 písmen tedy kardinalitu 26)</a:t>
+            </a:r>
+            <a:r>
+              <a:rPr lang="cs-CZ" sz="1200" kern="1200" dirty="0" smtClean="0">
+                <a:solidFill>
+                  <a:schemeClr val="tx1"/>
+                </a:solidFill>
+                <a:effectLst/>
+                <a:latin typeface="+mn-lt"/>
+                <a:ea typeface="+mn-ea"/>
+                <a:cs typeface="+mn-cs"/>
+              </a:rPr>
+              <a:t> a na opakování podřetězců ve vzorku(toto</a:t>
+            </a:r>
+            <a:r>
+              <a:rPr lang="cs-CZ" sz="1200" kern="1200" baseline="0" dirty="0" smtClean="0">
+                <a:solidFill>
+                  <a:schemeClr val="tx1"/>
+                </a:solidFill>
+                <a:effectLst/>
+                <a:latin typeface="+mn-lt"/>
+                <a:ea typeface="+mn-ea"/>
+                <a:cs typeface="+mn-cs"/>
+              </a:rPr>
+              <a:t> platí spíše pro 2. heuristiku kterou jste nedělali – ta počítá skoky na základě řetězců, ne písmen jako 1. </a:t>
+            </a:r>
+            <a:r>
+              <a:rPr lang="cs-CZ" sz="1200" kern="1200" baseline="0" smtClean="0">
+                <a:solidFill>
+                  <a:schemeClr val="tx1"/>
+                </a:solidFill>
+                <a:effectLst/>
+                <a:latin typeface="+mn-lt"/>
+                <a:ea typeface="+mn-ea"/>
+                <a:cs typeface="+mn-cs"/>
+              </a:rPr>
+              <a:t>h.)</a:t>
+            </a:r>
+            <a:r>
+              <a:rPr lang="cs-CZ" sz="1200" kern="1200" smtClean="0">
+                <a:solidFill>
+                  <a:schemeClr val="tx1"/>
+                </a:solidFill>
+                <a:effectLst/>
+                <a:latin typeface="+mn-lt"/>
+                <a:ea typeface="+mn-ea"/>
+                <a:cs typeface="+mn-cs"/>
+              </a:rPr>
+              <a:t>. </a:t>
+            </a:r>
+            <a:r>
+              <a:rPr lang="cs-CZ" sz="1200" kern="1200" dirty="0" smtClean="0">
+                <a:solidFill>
+                  <a:schemeClr val="tx1"/>
+                </a:solidFill>
+                <a:effectLst/>
+                <a:latin typeface="+mn-lt"/>
+                <a:ea typeface="+mn-ea"/>
+                <a:cs typeface="+mn-cs"/>
+              </a:rPr>
+              <a:t>Empirické studie s hovorovým jazykem ukázaly, že pro délku vzorku m&gt;5 provádí algoritmus přibližně 0.24 až 0.3 porovnání z počtu znaků v prohledávaném textu. Jinými slovy, porovnává asi jednu čtvrtinu až jednu třetinu znaků prohledávaného textu.</a:t>
+            </a:r>
+            <a:r>
+              <a:rPr lang="cs-CZ" sz="1200" kern="1200" baseline="0" dirty="0" smtClean="0">
+                <a:solidFill>
+                  <a:schemeClr val="tx1"/>
+                </a:solidFill>
+                <a:effectLst/>
+                <a:latin typeface="+mn-lt"/>
+                <a:ea typeface="+mn-ea"/>
+                <a:cs typeface="+mn-cs"/>
+              </a:rPr>
+              <a:t> </a:t>
+            </a:r>
+            <a:r>
+              <a:rPr lang="cs-CZ" sz="1200" kern="1200" dirty="0" smtClean="0">
+                <a:solidFill>
+                  <a:schemeClr val="tx1"/>
+                </a:solidFill>
+                <a:effectLst/>
+                <a:latin typeface="+mn-lt"/>
+                <a:ea typeface="+mn-ea"/>
+                <a:cs typeface="+mn-cs"/>
+              </a:rPr>
+              <a:t>BMA patří k velmi efektivním algoritmům pro vyhledávání podřetězců v řetězcích</a:t>
+            </a:r>
+          </a:p>
+          <a:p>
             <a:endParaRPr lang="cs-CZ" dirty="0"/>
           </a:p>
         </p:txBody>
@@ -1462,7 +1598,115 @@
           <a:p>
             <a:r>
               <a:rPr lang="cs-CZ" dirty="0" smtClean="0"/>
-              <a:t>Dalším algoritmem, který jsme měli implementovat byl </a:t>
+              <a:t>!!! Asymptotická časová složitost je </a:t>
+            </a:r>
+            <a:r>
+              <a:rPr lang="cs-CZ" dirty="0" err="1" smtClean="0"/>
+              <a:t>linearitmická</a:t>
+            </a:r>
+            <a:r>
+              <a:rPr lang="cs-CZ" dirty="0" smtClean="0"/>
+              <a:t> (průměrná</a:t>
+            </a:r>
+            <a:r>
+              <a:rPr lang="cs-CZ" baseline="0" dirty="0" smtClean="0"/>
+              <a:t> čas. Složitost je </a:t>
+            </a:r>
+            <a:r>
+              <a:rPr lang="cs-CZ" sz="1200" kern="1200" dirty="0" smtClean="0">
+                <a:solidFill>
+                  <a:schemeClr val="tx1"/>
+                </a:solidFill>
+                <a:effectLst/>
+                <a:latin typeface="+mn-lt"/>
+                <a:ea typeface="+mn-ea"/>
+                <a:cs typeface="+mn-cs"/>
+              </a:rPr>
+              <a:t>17*n*lg2(n) </a:t>
+            </a:r>
+            <a:r>
+              <a:rPr lang="cs-CZ" dirty="0" smtClean="0"/>
+              <a:t>!!! </a:t>
+            </a:r>
+            <a:r>
+              <a:rPr lang="cs-CZ" dirty="0" err="1" smtClean="0"/>
+              <a:t>Quicksort</a:t>
+            </a:r>
+            <a:r>
+              <a:rPr lang="cs-CZ" dirty="0" smtClean="0"/>
+              <a:t> je nestabilní(nezachová relativní</a:t>
+            </a:r>
+            <a:r>
+              <a:rPr lang="cs-CZ" baseline="0" dirty="0" smtClean="0"/>
+              <a:t> pořadí prvků se stejným klíčem)</a:t>
+            </a:r>
+            <a:r>
+              <a:rPr lang="cs-CZ" dirty="0" smtClean="0"/>
+              <a:t> a nepracuje přirozeně (přirozený algoritmus = čas na</a:t>
+            </a:r>
+            <a:r>
+              <a:rPr lang="cs-CZ" baseline="0" dirty="0" smtClean="0"/>
+              <a:t> seřazení již seřazeného pole(od min po </a:t>
+            </a:r>
+            <a:r>
+              <a:rPr lang="cs-CZ" baseline="0" dirty="0" err="1" smtClean="0"/>
+              <a:t>max</a:t>
+            </a:r>
+            <a:r>
+              <a:rPr lang="cs-CZ" baseline="0" dirty="0" smtClean="0"/>
+              <a:t>)</a:t>
+            </a:r>
+            <a:r>
+              <a:rPr lang="cs-CZ" dirty="0" smtClean="0"/>
+              <a:t> &lt;</a:t>
+            </a:r>
+            <a:r>
+              <a:rPr lang="cs-CZ" baseline="0" dirty="0" smtClean="0"/>
+              <a:t> </a:t>
+            </a:r>
+            <a:r>
+              <a:rPr lang="cs-CZ" dirty="0" smtClean="0"/>
+              <a:t>čas na</a:t>
+            </a:r>
+            <a:r>
+              <a:rPr lang="cs-CZ" baseline="0" dirty="0" smtClean="0"/>
+              <a:t> seřazení  neuspořádaného pole </a:t>
+            </a:r>
+            <a:r>
+              <a:rPr lang="cs-CZ" baseline="0" dirty="0" smtClean="0"/>
+              <a:t>&lt; </a:t>
+            </a:r>
+            <a:r>
+              <a:rPr lang="cs-CZ" dirty="0" smtClean="0"/>
+              <a:t>čas na</a:t>
+            </a:r>
+            <a:r>
+              <a:rPr lang="cs-CZ" baseline="0" dirty="0" smtClean="0"/>
+              <a:t> seřazení již seřazeného pole, ale OPAČNĚ(od </a:t>
+            </a:r>
+            <a:r>
+              <a:rPr lang="cs-CZ" baseline="0" dirty="0" err="1" smtClean="0"/>
+              <a:t>max</a:t>
+            </a:r>
+            <a:r>
+              <a:rPr lang="cs-CZ" baseline="0" dirty="0" smtClean="0"/>
+              <a:t> po min)</a:t>
+            </a:r>
+            <a:r>
+              <a:rPr lang="cs-CZ" dirty="0" smtClean="0"/>
+              <a:t> </a:t>
+            </a:r>
+            <a:r>
+              <a:rPr lang="cs-CZ" dirty="0" smtClean="0"/>
+              <a:t>!!! </a:t>
+            </a:r>
+            <a:r>
+              <a:rPr lang="cs-CZ" dirty="0" smtClean="0"/>
+              <a:t>Dalším </a:t>
+            </a:r>
+            <a:r>
+              <a:rPr lang="cs-CZ" dirty="0" smtClean="0"/>
+              <a:t>algoritmem, který jsme měli implementovat byl </a:t>
             </a:r>
             <a:r>
               <a:rPr lang="cs-CZ" dirty="0" err="1" smtClean="0"/>
@@ -1867,7 +2111,7 @@
           <a:p>
             <a:fld id="{95EC1D4A-A796-47C3-A63E-CE236FB377E2}" type="datetimeFigureOut">
               <a:rPr lang="cs-CZ" smtClean="0"/>
-              <a:t>13.12.2016</a:t>
+              <a:t>14.12.2016</a:t>
             </a:fld>
             <a:endParaRPr lang="cs-CZ"/>
           </a:p>
@@ -2032,7 +2276,7 @@
           <a:p>
             <a:fld id="{95EC1D4A-A796-47C3-A63E-CE236FB377E2}" type="datetimeFigureOut">
               <a:rPr lang="cs-CZ" smtClean="0"/>
-              <a:t>13.12.2016</a:t>
+              <a:t>14.12.2016</a:t>
             </a:fld>
             <a:endParaRPr lang="cs-CZ"/>
           </a:p>
@@ -2207,7 +2451,7 @@
           <a:p>
             <a:fld id="{95EC1D4A-A796-47C3-A63E-CE236FB377E2}" type="datetimeFigureOut">
               <a:rPr lang="cs-CZ" smtClean="0"/>
-              <a:t>13.12.2016</a:t>
+              <a:t>14.12.2016</a:t>
             </a:fld>
             <a:endParaRPr lang="cs-CZ"/>
           </a:p>
@@ -2372,7 +2616,7 @@
           <a:p>
             <a:fld id="{95EC1D4A-A796-47C3-A63E-CE236FB377E2}" type="datetimeFigureOut">
               <a:rPr lang="cs-CZ" smtClean="0"/>
-              <a:t>13.12.2016</a:t>
+              <a:t>14.12.2016</a:t>
             </a:fld>
             <a:endParaRPr lang="cs-CZ"/>
           </a:p>
@@ -2613,7 +2857,7 @@
           <a:p>
             <a:fld id="{95EC1D4A-A796-47C3-A63E-CE236FB377E2}" type="datetimeFigureOut">
               <a:rPr lang="cs-CZ" smtClean="0"/>
-              <a:t>13.12.2016</a:t>
+              <a:t>14.12.2016</a:t>
             </a:fld>
             <a:endParaRPr lang="cs-CZ"/>
           </a:p>
@@ -2896,7 +3140,7 @@
           <a:p>
             <a:fld id="{95EC1D4A-A796-47C3-A63E-CE236FB377E2}" type="datetimeFigureOut">
               <a:rPr lang="cs-CZ" smtClean="0"/>
-              <a:t>13.12.2016</a:t>
+              <a:t>14.12.2016</a:t>
             </a:fld>
             <a:endParaRPr lang="cs-CZ"/>
           </a:p>
@@ -3313,7 +3557,7 @@
           <a:p>
             <a:fld id="{95EC1D4A-A796-47C3-A63E-CE236FB377E2}" type="datetimeFigureOut">
               <a:rPr lang="cs-CZ" smtClean="0"/>
-              <a:t>13.12.2016</a:t>
+              <a:t>14.12.2016</a:t>
             </a:fld>
             <a:endParaRPr lang="cs-CZ"/>
           </a:p>
@@ -3426,7 +3670,7 @@
           <a:p>
             <a:fld id="{95EC1D4A-A796-47C3-A63E-CE236FB377E2}" type="datetimeFigureOut">
               <a:rPr lang="cs-CZ" smtClean="0"/>
-              <a:t>13.12.2016</a:t>
+              <a:t>14.12.2016</a:t>
             </a:fld>
             <a:endParaRPr lang="cs-CZ"/>
           </a:p>
@@ -3516,7 +3760,7 @@
           <a:p>
             <a:fld id="{95EC1D4A-A796-47C3-A63E-CE236FB377E2}" type="datetimeFigureOut">
               <a:rPr lang="cs-CZ" smtClean="0"/>
-              <a:t>13.12.2016</a:t>
+              <a:t>14.12.2016</a:t>
             </a:fld>
             <a:endParaRPr lang="cs-CZ"/>
           </a:p>
@@ -3788,7 +4032,7 @@
           <a:p>
             <a:fld id="{95EC1D4A-A796-47C3-A63E-CE236FB377E2}" type="datetimeFigureOut">
               <a:rPr lang="cs-CZ" smtClean="0"/>
-              <a:t>13.12.2016</a:t>
+              <a:t>14.12.2016</a:t>
             </a:fld>
             <a:endParaRPr lang="cs-CZ"/>
           </a:p>
@@ -4036,7 +4280,7 @@
           <a:p>
             <a:fld id="{95EC1D4A-A796-47C3-A63E-CE236FB377E2}" type="datetimeFigureOut">
               <a:rPr lang="cs-CZ" smtClean="0"/>
-              <a:t>13.12.2016</a:t>
+              <a:t>14.12.2016</a:t>
             </a:fld>
             <a:endParaRPr lang="cs-CZ"/>
           </a:p>
@@ -4244,7 +4488,7 @@
           <a:p>
             <a:fld id="{95EC1D4A-A796-47C3-A63E-CE236FB377E2}" type="datetimeFigureOut">
               <a:rPr lang="cs-CZ" smtClean="0"/>
-              <a:t>13.12.2016</a:t>
+              <a:t>14.12.2016</a:t>
             </a:fld>
             <a:endParaRPr lang="cs-CZ"/>
           </a:p>
@@ -5688,11 +5932,7 @@
           <a:p>
             <a:r>
               <a:rPr lang="cs-CZ" dirty="0" smtClean="0"/>
-              <a:t>vyhledávání </a:t>
-            </a:r>
-            <a:r>
-              <a:rPr lang="cs-CZ" dirty="0" smtClean="0"/>
-              <a:t>podřetězce v řetězci</a:t>
+              <a:t>vyhledávání podřetězce v řetězci</a:t>
             </a:r>
           </a:p>
           <a:p>
